--- a/Cloud Engineering/Deloitte Cloud - Task 1 - Understanding Cloud Computing - Template.pptx
+++ b/Cloud Engineering/Deloitte Cloud - Task 1 - Understanding Cloud Computing - Template.pptx
@@ -334,7 +334,7 @@
           <a:graphicData uri="http://schemas.openxmlformats.org/presentationml/2006/ole">
             <mc:AlternateContent xmlns:mc="http://schemas.openxmlformats.org/markup-compatibility/2006">
               <mc:Choice xmlns:v="urn:schemas-microsoft-com:vml" Requires="v">
-                <p:oleObj spid="_x0000_s1040" name="think-cell Slide" r:id="rId5" imgW="270" imgH="270" progId="TCLayout.ActiveDocument.1">
+                <p:oleObj spid="_x0000_s1041" name="think-cell Slide" r:id="rId5" imgW="270" imgH="270" progId="TCLayout.ActiveDocument.1">
                   <p:embed/>
                 </p:oleObj>
               </mc:Choice>
@@ -539,14 +539,14 @@
           </a:ln>
           <a:extLst>
             <a:ext uri="{909E8E84-426E-40dd-AFC4-6F175D3DCCD1}">
-              <a14:hiddenFill xmlns:a14="http://schemas.microsoft.com/office/drawing/2010/main" xmlns="">
+              <a14:hiddenFill xmlns="" xmlns:a14="http://schemas.microsoft.com/office/drawing/2010/main">
                 <a:solidFill>
                   <a:srgbClr val="FFFFFF"/>
                 </a:solidFill>
               </a14:hiddenFill>
             </a:ext>
             <a:ext uri="{91240B29-F687-4f45-9708-019B960494DF}">
-              <a14:hiddenLine xmlns:a14="http://schemas.microsoft.com/office/drawing/2010/main" xmlns="" w="12700">
+              <a14:hiddenLine xmlns="" xmlns:a14="http://schemas.microsoft.com/office/drawing/2010/main" w="12700">
                 <a:solidFill>
                   <a:srgbClr val="000000"/>
                 </a:solidFill>
@@ -1275,8 +1275,8 @@
         </p:nvSpPr>
         <p:spPr>
           <a:xfrm>
-            <a:off x="426542" y="1129211"/>
-            <a:ext cx="4101915" cy="4012243"/>
+            <a:off x="425459" y="1225015"/>
+            <a:ext cx="4870287" cy="3581356"/>
           </a:xfrm>
           <a:prstGeom prst="rect">
             <a:avLst/>
@@ -1400,7 +1400,53 @@
                 <a:effectLst/>
                 <a:latin typeface=""/>
               </a:rPr>
-              <a:t>typically pay only for cloud services you use, helping you lower your operating costs, run your infrastructure more efficiently, and scale as your business needs change.</a:t>
+              <a:t>typically need to pay only for cloud services </a:t>
+            </a:r>
+            <a:r>
+              <a:rPr lang="en-IN" sz="1400" dirty="0">
+                <a:solidFill>
+                  <a:schemeClr val="accent2">
+                    <a:lumMod val="75000"/>
+                  </a:schemeClr>
+                </a:solidFill>
+                <a:latin typeface=""/>
+              </a:rPr>
+              <a:t>we</a:t>
+            </a:r>
+            <a:r>
+              <a:rPr lang="en-IN" sz="1400" b="0" i="0" dirty="0">
+                <a:solidFill>
+                  <a:schemeClr val="accent2">
+                    <a:lumMod val="75000"/>
+                  </a:schemeClr>
+                </a:solidFill>
+                <a:effectLst/>
+                <a:latin typeface=""/>
+              </a:rPr>
+              <a:t> use, helping </a:t>
+            </a:r>
+            <a:r>
+              <a:rPr lang="en-IN" sz="1400" dirty="0">
+                <a:solidFill>
+                  <a:schemeClr val="accent2">
+                    <a:lumMod val="75000"/>
+                  </a:schemeClr>
+                </a:solidFill>
+                <a:latin typeface=""/>
+              </a:rPr>
+              <a:t>us</a:t>
+            </a:r>
+            <a:r>
+              <a:rPr lang="en-IN" sz="1400" b="0" i="0" dirty="0">
+                <a:solidFill>
+                  <a:schemeClr val="accent2">
+                    <a:lumMod val="75000"/>
+                  </a:schemeClr>
+                </a:solidFill>
+                <a:effectLst/>
+                <a:latin typeface=""/>
+              </a:rPr>
+              <a:t> lower our operating costs, run our infrastructure more efficiently, and scale as our business needs change.</a:t>
             </a:r>
           </a:p>
           <a:p>
@@ -1431,7 +1477,7 @@
                 <a:effectLst/>
                 <a:latin typeface=""/>
               </a:rPr>
-              <a:t>A cloud services platform provides rapid access to flexible and low-cost IT resources that you can use to build and maintain software and databases, and create applications to delight customers</a:t>
+              <a:t>A cloud services platform provides rapid access to flexible and low-cost IT resources that we can use to build and maintain software and databases, and create applications to delight customers</a:t>
             </a:r>
             <a:endParaRPr lang="en-AU" sz="1400" spc="-25" dirty="0">
               <a:solidFill>
